--- a/jsp/JSP_Servlet_강의_15강_예외 페이지.pptx
+++ b/jsp/JSP_Servlet_강의_15강_예외 페이지.pptx
@@ -212,7 +212,7 @@
             <a:fld id="{1EBA1ADC-3FB7-40DA-B2DE-355D9B030C78}" type="datetimeFigureOut">
               <a:rPr lang="ko-KR" altLang="en-US" smtClean="0"/>
               <a:pPr/>
-              <a:t>2021-11-05</a:t>
+              <a:t>2022-02-10</a:t>
             </a:fld>
             <a:endParaRPr lang="ko-KR" altLang="en-US"/>
           </a:p>
@@ -276,38 +276,37 @@
           <a:p>
             <a:pPr lvl="0"/>
             <a:r>
-              <a:rPr lang="ko-KR" altLang="en-US" smtClean="0"/>
+              <a:rPr lang="ko-KR" altLang="en-US"/>
               <a:t>마스터 텍스트 스타일을 편집합니다</a:t>
             </a:r>
           </a:p>
           <a:p>
             <a:pPr lvl="1"/>
             <a:r>
-              <a:rPr lang="ko-KR" altLang="en-US" smtClean="0"/>
+              <a:rPr lang="ko-KR" altLang="en-US"/>
               <a:t>둘째 수준</a:t>
             </a:r>
           </a:p>
           <a:p>
             <a:pPr lvl="2"/>
             <a:r>
-              <a:rPr lang="ko-KR" altLang="en-US" smtClean="0"/>
+              <a:rPr lang="ko-KR" altLang="en-US"/>
               <a:t>셋째 수준</a:t>
             </a:r>
           </a:p>
           <a:p>
             <a:pPr lvl="3"/>
             <a:r>
-              <a:rPr lang="ko-KR" altLang="en-US" smtClean="0"/>
+              <a:rPr lang="ko-KR" altLang="en-US"/>
               <a:t>넷째 수준</a:t>
             </a:r>
           </a:p>
           <a:p>
             <a:pPr lvl="4"/>
             <a:r>
-              <a:rPr lang="ko-KR" altLang="en-US" smtClean="0"/>
+              <a:rPr lang="ko-KR" altLang="en-US"/>
               <a:t>다섯째 수준</a:t>
             </a:r>
-            <a:endParaRPr lang="ko-KR" altLang="en-US"/>
           </a:p>
         </p:txBody>
       </p:sp>
@@ -523,10 +522,9 @@
           </a:lstStyle>
           <a:p>
             <a:r>
-              <a:rPr lang="ko-KR" altLang="en-US" smtClean="0"/>
+              <a:rPr lang="ko-KR" altLang="en-US"/>
               <a:t>마스터 제목 스타일 편집</a:t>
             </a:r>
-            <a:endParaRPr lang="ko-KR" altLang="en-US"/>
           </a:p>
         </p:txBody>
       </p:sp>
@@ -588,10 +586,9 @@
           </a:lstStyle>
           <a:p>
             <a:r>
-              <a:rPr lang="ko-KR" altLang="en-US" smtClean="0"/>
+              <a:rPr lang="ko-KR" altLang="en-US"/>
               <a:t>마스터 부제목 스타일 편집</a:t>
             </a:r>
-            <a:endParaRPr lang="ko-KR" altLang="en-US"/>
           </a:p>
         </p:txBody>
       </p:sp>
@@ -613,7 +610,7 @@
             <a:fld id="{245FE9EB-5882-4F14-9D7A-E43319FAAE5D}" type="datetime1">
               <a:rPr lang="ko-KR" altLang="en-US" smtClean="0"/>
               <a:pPr/>
-              <a:t>2021-11-05</a:t>
+              <a:t>2022-02-10</a:t>
             </a:fld>
             <a:endParaRPr lang="ko-KR" altLang="en-US"/>
           </a:p>
@@ -717,10 +714,9 @@
           </a:lstStyle>
           <a:p>
             <a:r>
-              <a:rPr lang="ko-KR" altLang="en-US" smtClean="0"/>
+              <a:rPr lang="ko-KR" altLang="en-US"/>
               <a:t>마스터 제목 스타일 편집</a:t>
             </a:r>
-            <a:endParaRPr lang="ko-KR" altLang="en-US"/>
           </a:p>
         </p:txBody>
       </p:sp>
@@ -844,7 +840,7 @@
           <a:p>
             <a:pPr lvl="0"/>
             <a:r>
-              <a:rPr lang="ko-KR" altLang="en-US" smtClean="0"/>
+              <a:rPr lang="ko-KR" altLang="en-US"/>
               <a:t>마스터 텍스트 스타일을 편집합니다</a:t>
             </a:r>
           </a:p>
@@ -868,7 +864,7 @@
             <a:fld id="{148E5BE4-290A-4A67-9142-8569AAC90C2F}" type="datetime1">
               <a:rPr lang="ko-KR" altLang="en-US" smtClean="0"/>
               <a:pPr/>
-              <a:t>2021-11-05</a:t>
+              <a:t>2022-02-10</a:t>
             </a:fld>
             <a:endParaRPr lang="ko-KR" altLang="en-US"/>
           </a:p>
@@ -963,10 +959,9 @@
           <a:lstStyle/>
           <a:p>
             <a:r>
-              <a:rPr lang="ko-KR" altLang="en-US" smtClean="0"/>
+              <a:rPr lang="ko-KR" altLang="en-US"/>
               <a:t>마스터 제목 스타일 편집</a:t>
             </a:r>
-            <a:endParaRPr lang="ko-KR" altLang="en-US"/>
           </a:p>
         </p:txBody>
       </p:sp>
@@ -987,38 +982,37 @@
           <a:p>
             <a:pPr lvl="0"/>
             <a:r>
-              <a:rPr lang="ko-KR" altLang="en-US" smtClean="0"/>
+              <a:rPr lang="ko-KR" altLang="en-US"/>
               <a:t>마스터 텍스트 스타일을 편집합니다</a:t>
             </a:r>
           </a:p>
           <a:p>
             <a:pPr lvl="1"/>
             <a:r>
-              <a:rPr lang="ko-KR" altLang="en-US" smtClean="0"/>
+              <a:rPr lang="ko-KR" altLang="en-US"/>
               <a:t>둘째 수준</a:t>
             </a:r>
           </a:p>
           <a:p>
             <a:pPr lvl="2"/>
             <a:r>
-              <a:rPr lang="ko-KR" altLang="en-US" smtClean="0"/>
+              <a:rPr lang="ko-KR" altLang="en-US"/>
               <a:t>셋째 수준</a:t>
             </a:r>
           </a:p>
           <a:p>
             <a:pPr lvl="3"/>
             <a:r>
-              <a:rPr lang="ko-KR" altLang="en-US" smtClean="0"/>
+              <a:rPr lang="ko-KR" altLang="en-US"/>
               <a:t>넷째 수준</a:t>
             </a:r>
           </a:p>
           <a:p>
             <a:pPr lvl="4"/>
             <a:r>
-              <a:rPr lang="ko-KR" altLang="en-US" smtClean="0"/>
+              <a:rPr lang="ko-KR" altLang="en-US"/>
               <a:t>다섯째 수준</a:t>
             </a:r>
-            <a:endParaRPr lang="ko-KR" altLang="en-US"/>
           </a:p>
         </p:txBody>
       </p:sp>
@@ -1040,7 +1034,7 @@
             <a:fld id="{AABD7AA9-974F-41EE-AA93-9A7D5FC26AF0}" type="datetime1">
               <a:rPr lang="ko-KR" altLang="en-US" smtClean="0"/>
               <a:pPr/>
-              <a:t>2021-11-05</a:t>
+              <a:t>2022-02-10</a:t>
             </a:fld>
             <a:endParaRPr lang="ko-KR" altLang="en-US"/>
           </a:p>
@@ -1140,10 +1134,9 @@
           <a:lstStyle/>
           <a:p>
             <a:r>
-              <a:rPr lang="ko-KR" altLang="en-US" smtClean="0"/>
+              <a:rPr lang="ko-KR" altLang="en-US"/>
               <a:t>마스터 제목 스타일 편집</a:t>
             </a:r>
-            <a:endParaRPr lang="ko-KR" altLang="en-US"/>
           </a:p>
         </p:txBody>
       </p:sp>
@@ -1169,38 +1162,37 @@
           <a:p>
             <a:pPr lvl="0"/>
             <a:r>
-              <a:rPr lang="ko-KR" altLang="en-US" smtClean="0"/>
+              <a:rPr lang="ko-KR" altLang="en-US"/>
               <a:t>마스터 텍스트 스타일을 편집합니다</a:t>
             </a:r>
           </a:p>
           <a:p>
             <a:pPr lvl="1"/>
             <a:r>
-              <a:rPr lang="ko-KR" altLang="en-US" smtClean="0"/>
+              <a:rPr lang="ko-KR" altLang="en-US"/>
               <a:t>둘째 수준</a:t>
             </a:r>
           </a:p>
           <a:p>
             <a:pPr lvl="2"/>
             <a:r>
-              <a:rPr lang="ko-KR" altLang="en-US" smtClean="0"/>
+              <a:rPr lang="ko-KR" altLang="en-US"/>
               <a:t>셋째 수준</a:t>
             </a:r>
           </a:p>
           <a:p>
             <a:pPr lvl="3"/>
             <a:r>
-              <a:rPr lang="ko-KR" altLang="en-US" smtClean="0"/>
+              <a:rPr lang="ko-KR" altLang="en-US"/>
               <a:t>넷째 수준</a:t>
             </a:r>
           </a:p>
           <a:p>
             <a:pPr lvl="4"/>
             <a:r>
-              <a:rPr lang="ko-KR" altLang="en-US" smtClean="0"/>
+              <a:rPr lang="ko-KR" altLang="en-US"/>
               <a:t>다섯째 수준</a:t>
             </a:r>
-            <a:endParaRPr lang="ko-KR" altLang="en-US"/>
           </a:p>
         </p:txBody>
       </p:sp>
@@ -1222,7 +1214,7 @@
             <a:fld id="{CA6778F7-13A7-47A7-A538-4854C83EAB76}" type="datetime1">
               <a:rPr lang="ko-KR" altLang="en-US" smtClean="0"/>
               <a:pPr/>
-              <a:t>2021-11-05</a:t>
+              <a:t>2022-02-10</a:t>
             </a:fld>
             <a:endParaRPr lang="ko-KR" altLang="en-US"/>
           </a:p>
@@ -1317,10 +1309,9 @@
           <a:lstStyle/>
           <a:p>
             <a:r>
-              <a:rPr lang="ko-KR" altLang="en-US" smtClean="0"/>
+              <a:rPr lang="ko-KR" altLang="en-US"/>
               <a:t>마스터 제목 스타일 편집</a:t>
             </a:r>
-            <a:endParaRPr lang="ko-KR" altLang="en-US"/>
           </a:p>
         </p:txBody>
       </p:sp>
@@ -1341,38 +1332,37 @@
           <a:p>
             <a:pPr lvl="0"/>
             <a:r>
-              <a:rPr lang="ko-KR" altLang="en-US" smtClean="0"/>
+              <a:rPr lang="ko-KR" altLang="en-US"/>
               <a:t>마스터 텍스트 스타일을 편집합니다</a:t>
             </a:r>
           </a:p>
           <a:p>
             <a:pPr lvl="1"/>
             <a:r>
-              <a:rPr lang="ko-KR" altLang="en-US" smtClean="0"/>
+              <a:rPr lang="ko-KR" altLang="en-US"/>
               <a:t>둘째 수준</a:t>
             </a:r>
           </a:p>
           <a:p>
             <a:pPr lvl="2"/>
             <a:r>
-              <a:rPr lang="ko-KR" altLang="en-US" smtClean="0"/>
+              <a:rPr lang="ko-KR" altLang="en-US"/>
               <a:t>셋째 수준</a:t>
             </a:r>
           </a:p>
           <a:p>
             <a:pPr lvl="3"/>
             <a:r>
-              <a:rPr lang="ko-KR" altLang="en-US" smtClean="0"/>
+              <a:rPr lang="ko-KR" altLang="en-US"/>
               <a:t>넷째 수준</a:t>
             </a:r>
           </a:p>
           <a:p>
             <a:pPr lvl="4"/>
             <a:r>
-              <a:rPr lang="ko-KR" altLang="en-US" smtClean="0"/>
+              <a:rPr lang="ko-KR" altLang="en-US"/>
               <a:t>다섯째 수준</a:t>
             </a:r>
-            <a:endParaRPr lang="ko-KR" altLang="en-US"/>
           </a:p>
         </p:txBody>
       </p:sp>
@@ -1394,7 +1384,7 @@
             <a:fld id="{97E9BB34-6711-40F2-9C7B-47A61743D4AD}" type="datetime1">
               <a:rPr lang="ko-KR" altLang="en-US" smtClean="0"/>
               <a:pPr/>
-              <a:t>2021-11-05</a:t>
+              <a:t>2022-02-10</a:t>
             </a:fld>
             <a:endParaRPr lang="ko-KR" altLang="en-US"/>
           </a:p>
@@ -1498,10 +1488,9 @@
           </a:lstStyle>
           <a:p>
             <a:r>
-              <a:rPr lang="ko-KR" altLang="en-US" smtClean="0"/>
+              <a:rPr lang="ko-KR" altLang="en-US"/>
               <a:t>마스터 제목 스타일 편집</a:t>
             </a:r>
-            <a:endParaRPr lang="ko-KR" altLang="en-US"/>
           </a:p>
         </p:txBody>
       </p:sp>
@@ -1618,7 +1607,7 @@
           <a:p>
             <a:pPr lvl="0"/>
             <a:r>
-              <a:rPr lang="ko-KR" altLang="en-US" smtClean="0"/>
+              <a:rPr lang="ko-KR" altLang="en-US"/>
               <a:t>마스터 텍스트 스타일을 편집합니다</a:t>
             </a:r>
           </a:p>
@@ -1642,7 +1631,7 @@
             <a:fld id="{01BE0FF5-5FAF-43AE-9E0C-CC3EA1B81862}" type="datetime1">
               <a:rPr lang="ko-KR" altLang="en-US" smtClean="0"/>
               <a:pPr/>
-              <a:t>2021-11-05</a:t>
+              <a:t>2022-02-10</a:t>
             </a:fld>
             <a:endParaRPr lang="ko-KR" altLang="en-US"/>
           </a:p>
@@ -1737,10 +1726,9 @@
           <a:lstStyle/>
           <a:p>
             <a:r>
-              <a:rPr lang="ko-KR" altLang="en-US" smtClean="0"/>
+              <a:rPr lang="ko-KR" altLang="en-US"/>
               <a:t>마스터 제목 스타일 편집</a:t>
             </a:r>
-            <a:endParaRPr lang="ko-KR" altLang="en-US"/>
           </a:p>
         </p:txBody>
       </p:sp>
@@ -1766,38 +1754,37 @@
           <a:p>
             <a:pPr lvl="0"/>
             <a:r>
-              <a:rPr lang="ko-KR" altLang="en-US" smtClean="0"/>
+              <a:rPr lang="ko-KR" altLang="en-US"/>
               <a:t>마스터 텍스트 스타일을 편집합니다</a:t>
             </a:r>
           </a:p>
           <a:p>
             <a:pPr lvl="1"/>
             <a:r>
-              <a:rPr lang="ko-KR" altLang="en-US" smtClean="0"/>
+              <a:rPr lang="ko-KR" altLang="en-US"/>
               <a:t>둘째 수준</a:t>
             </a:r>
           </a:p>
           <a:p>
             <a:pPr lvl="2"/>
             <a:r>
-              <a:rPr lang="ko-KR" altLang="en-US" smtClean="0"/>
+              <a:rPr lang="ko-KR" altLang="en-US"/>
               <a:t>셋째 수준</a:t>
             </a:r>
           </a:p>
           <a:p>
             <a:pPr lvl="3"/>
             <a:r>
-              <a:rPr lang="ko-KR" altLang="en-US" smtClean="0"/>
+              <a:rPr lang="ko-KR" altLang="en-US"/>
               <a:t>넷째 수준</a:t>
             </a:r>
           </a:p>
           <a:p>
             <a:pPr lvl="4"/>
             <a:r>
-              <a:rPr lang="ko-KR" altLang="en-US" smtClean="0"/>
+              <a:rPr lang="ko-KR" altLang="en-US"/>
               <a:t>다섯째 수준</a:t>
             </a:r>
-            <a:endParaRPr lang="ko-KR" altLang="en-US"/>
           </a:p>
         </p:txBody>
       </p:sp>
@@ -1823,38 +1810,37 @@
           <a:p>
             <a:pPr lvl="0"/>
             <a:r>
-              <a:rPr lang="ko-KR" altLang="en-US" smtClean="0"/>
+              <a:rPr lang="ko-KR" altLang="en-US"/>
               <a:t>마스터 텍스트 스타일을 편집합니다</a:t>
             </a:r>
           </a:p>
           <a:p>
             <a:pPr lvl="1"/>
             <a:r>
-              <a:rPr lang="ko-KR" altLang="en-US" smtClean="0"/>
+              <a:rPr lang="ko-KR" altLang="en-US"/>
               <a:t>둘째 수준</a:t>
             </a:r>
           </a:p>
           <a:p>
             <a:pPr lvl="2"/>
             <a:r>
-              <a:rPr lang="ko-KR" altLang="en-US" smtClean="0"/>
+              <a:rPr lang="ko-KR" altLang="en-US"/>
               <a:t>셋째 수준</a:t>
             </a:r>
           </a:p>
           <a:p>
             <a:pPr lvl="3"/>
             <a:r>
-              <a:rPr lang="ko-KR" altLang="en-US" smtClean="0"/>
+              <a:rPr lang="ko-KR" altLang="en-US"/>
               <a:t>넷째 수준</a:t>
             </a:r>
           </a:p>
           <a:p>
             <a:pPr lvl="4"/>
             <a:r>
-              <a:rPr lang="ko-KR" altLang="en-US" smtClean="0"/>
+              <a:rPr lang="ko-KR" altLang="en-US"/>
               <a:t>다섯째 수준</a:t>
             </a:r>
-            <a:endParaRPr lang="ko-KR" altLang="en-US"/>
           </a:p>
         </p:txBody>
       </p:sp>
@@ -1876,7 +1862,7 @@
             <a:fld id="{DAF9AB40-AB99-4455-AC5A-01B404C2C00C}" type="datetime1">
               <a:rPr lang="ko-KR" altLang="en-US" smtClean="0"/>
               <a:pPr/>
-              <a:t>2021-11-05</a:t>
+              <a:t>2022-02-10</a:t>
             </a:fld>
             <a:endParaRPr lang="ko-KR" altLang="en-US"/>
           </a:p>
@@ -1976,10 +1962,9 @@
           <a:lstStyle/>
           <a:p>
             <a:r>
-              <a:rPr lang="ko-KR" altLang="en-US" smtClean="0"/>
+              <a:rPr lang="ko-KR" altLang="en-US"/>
               <a:t>마스터 제목 스타일 편집</a:t>
             </a:r>
-            <a:endParaRPr lang="ko-KR" altLang="en-US"/>
           </a:p>
         </p:txBody>
       </p:sp>
@@ -2042,7 +2027,7 @@
           <a:p>
             <a:pPr lvl="0"/>
             <a:r>
-              <a:rPr lang="ko-KR" altLang="en-US" smtClean="0"/>
+              <a:rPr lang="ko-KR" altLang="en-US"/>
               <a:t>마스터 텍스트 스타일을 편집합니다</a:t>
             </a:r>
           </a:p>
@@ -2070,38 +2055,37 @@
           <a:p>
             <a:pPr lvl="0"/>
             <a:r>
-              <a:rPr lang="ko-KR" altLang="en-US" smtClean="0"/>
+              <a:rPr lang="ko-KR" altLang="en-US"/>
               <a:t>마스터 텍스트 스타일을 편집합니다</a:t>
             </a:r>
           </a:p>
           <a:p>
             <a:pPr lvl="1"/>
             <a:r>
-              <a:rPr lang="ko-KR" altLang="en-US" smtClean="0"/>
+              <a:rPr lang="ko-KR" altLang="en-US"/>
               <a:t>둘째 수준</a:t>
             </a:r>
           </a:p>
           <a:p>
             <a:pPr lvl="2"/>
             <a:r>
-              <a:rPr lang="ko-KR" altLang="en-US" smtClean="0"/>
+              <a:rPr lang="ko-KR" altLang="en-US"/>
               <a:t>셋째 수준</a:t>
             </a:r>
           </a:p>
           <a:p>
             <a:pPr lvl="3"/>
             <a:r>
-              <a:rPr lang="ko-KR" altLang="en-US" smtClean="0"/>
+              <a:rPr lang="ko-KR" altLang="en-US"/>
               <a:t>넷째 수준</a:t>
             </a:r>
           </a:p>
           <a:p>
             <a:pPr lvl="4"/>
             <a:r>
-              <a:rPr lang="ko-KR" altLang="en-US" smtClean="0"/>
+              <a:rPr lang="ko-KR" altLang="en-US"/>
               <a:t>다섯째 수준</a:t>
             </a:r>
-            <a:endParaRPr lang="ko-KR" altLang="en-US"/>
           </a:p>
         </p:txBody>
       </p:sp>
@@ -2164,7 +2148,7 @@
           <a:p>
             <a:pPr lvl="0"/>
             <a:r>
-              <a:rPr lang="ko-KR" altLang="en-US" smtClean="0"/>
+              <a:rPr lang="ko-KR" altLang="en-US"/>
               <a:t>마스터 텍스트 스타일을 편집합니다</a:t>
             </a:r>
           </a:p>
@@ -2192,38 +2176,37 @@
           <a:p>
             <a:pPr lvl="0"/>
             <a:r>
-              <a:rPr lang="ko-KR" altLang="en-US" smtClean="0"/>
+              <a:rPr lang="ko-KR" altLang="en-US"/>
               <a:t>마스터 텍스트 스타일을 편집합니다</a:t>
             </a:r>
           </a:p>
           <a:p>
             <a:pPr lvl="1"/>
             <a:r>
-              <a:rPr lang="ko-KR" altLang="en-US" smtClean="0"/>
+              <a:rPr lang="ko-KR" altLang="en-US"/>
               <a:t>둘째 수준</a:t>
             </a:r>
           </a:p>
           <a:p>
             <a:pPr lvl="2"/>
             <a:r>
-              <a:rPr lang="ko-KR" altLang="en-US" smtClean="0"/>
+              <a:rPr lang="ko-KR" altLang="en-US"/>
               <a:t>셋째 수준</a:t>
             </a:r>
           </a:p>
           <a:p>
             <a:pPr lvl="3"/>
             <a:r>
-              <a:rPr lang="ko-KR" altLang="en-US" smtClean="0"/>
+              <a:rPr lang="ko-KR" altLang="en-US"/>
               <a:t>넷째 수준</a:t>
             </a:r>
           </a:p>
           <a:p>
             <a:pPr lvl="4"/>
             <a:r>
-              <a:rPr lang="ko-KR" altLang="en-US" smtClean="0"/>
+              <a:rPr lang="ko-KR" altLang="en-US"/>
               <a:t>다섯째 수준</a:t>
             </a:r>
-            <a:endParaRPr lang="ko-KR" altLang="en-US"/>
           </a:p>
         </p:txBody>
       </p:sp>
@@ -2245,7 +2228,7 @@
             <a:fld id="{0E3C0ECE-794B-4B99-8E02-3BB1152032F2}" type="datetime1">
               <a:rPr lang="ko-KR" altLang="en-US" smtClean="0"/>
               <a:pPr/>
-              <a:t>2021-11-05</a:t>
+              <a:t>2022-02-10</a:t>
             </a:fld>
             <a:endParaRPr lang="ko-KR" altLang="en-US"/>
           </a:p>
@@ -2340,10 +2323,9 @@
           <a:lstStyle/>
           <a:p>
             <a:r>
-              <a:rPr lang="ko-KR" altLang="en-US" smtClean="0"/>
+              <a:rPr lang="ko-KR" altLang="en-US"/>
               <a:t>마스터 제목 스타일 편집</a:t>
             </a:r>
-            <a:endParaRPr lang="ko-KR" altLang="en-US"/>
           </a:p>
         </p:txBody>
       </p:sp>
@@ -2365,7 +2347,7 @@
             <a:fld id="{0F75503B-EE7A-4049-8A0E-70C0A8C6708E}" type="datetime1">
               <a:rPr lang="ko-KR" altLang="en-US" smtClean="0"/>
               <a:pPr/>
-              <a:t>2021-11-05</a:t>
+              <a:t>2022-02-10</a:t>
             </a:fld>
             <a:endParaRPr lang="ko-KR" altLang="en-US"/>
           </a:p>
@@ -2783,13 +2765,6 @@
   <p:clrMapOvr>
     <a:masterClrMapping/>
   </p:clrMapOvr>
-  <p:timing>
-    <p:tnLst>
-      <p:par>
-        <p:cTn id="1" dur="indefinite" restart="never" nodeType="tmRoot"/>
-      </p:par>
-    </p:tnLst>
-  </p:timing>
 </p:sldLayout>
 </file>
 
@@ -2890,7 +2865,7 @@
           <a:p>
             <a:pPr algn="r"/>
             <a:r>
-              <a:rPr lang="en-US" altLang="ko-KR" sz="1600" kern="1200" dirty="0" smtClean="0">
+              <a:rPr lang="en-US" altLang="ko-KR" sz="1600" kern="1200" dirty="0">
                 <a:solidFill>
                   <a:schemeClr val="tx1"/>
                 </a:solidFill>
@@ -2902,7 +2877,7 @@
               <a:t>15</a:t>
             </a:r>
             <a:r>
-              <a:rPr lang="ko-KR" altLang="en-US" sz="1600" kern="1200" dirty="0" smtClean="0">
+              <a:rPr lang="ko-KR" altLang="en-US" sz="1600" kern="1200" dirty="0">
                 <a:solidFill>
                   <a:schemeClr val="tx1"/>
                 </a:solidFill>
@@ -2914,7 +2889,7 @@
               <a:t>강</a:t>
             </a:r>
             <a:r>
-              <a:rPr lang="en-US" altLang="ko-KR" sz="1600" kern="1200" dirty="0" smtClean="0">
+              <a:rPr lang="en-US" altLang="ko-KR" sz="1600" kern="1200" dirty="0">
                 <a:solidFill>
                   <a:schemeClr val="tx1"/>
                 </a:solidFill>
@@ -2926,7 +2901,7 @@
               <a:t>.</a:t>
             </a:r>
             <a:r>
-              <a:rPr lang="en-US" altLang="ko-KR" sz="1600" kern="1200" baseline="0" dirty="0" smtClean="0">
+              <a:rPr lang="en-US" altLang="ko-KR" sz="1600" kern="1200" baseline="0" dirty="0">
                 <a:solidFill>
                   <a:schemeClr val="tx1"/>
                 </a:solidFill>
@@ -2938,7 +2913,7 @@
               <a:t> </a:t>
             </a:r>
             <a:r>
-              <a:rPr lang="ko-KR" altLang="en-US" sz="1600" kern="1200" baseline="0" dirty="0" smtClean="0">
+              <a:rPr lang="ko-KR" altLang="en-US" sz="1600" kern="1200" baseline="0" dirty="0">
                 <a:solidFill>
                   <a:schemeClr val="tx1"/>
                 </a:solidFill>
@@ -3067,7 +3042,7 @@
             <a:fld id="{9E6BA691-BC9B-4A68-9744-1B809170C141}" type="datetime1">
               <a:rPr lang="ko-KR" altLang="en-US" smtClean="0"/>
               <a:pPr/>
-              <a:t>2021-11-05</a:t>
+              <a:t>2022-02-10</a:t>
             </a:fld>
             <a:endParaRPr lang="ko-KR" altLang="en-US"/>
           </a:p>
@@ -3136,13 +3111,6 @@
   <p:clrMapOvr>
     <a:masterClrMapping/>
   </p:clrMapOvr>
-  <p:timing>
-    <p:tnLst>
-      <p:par>
-        <p:cTn id="1" dur="indefinite" restart="never" nodeType="tmRoot"/>
-      </p:par>
-    </p:tnLst>
-  </p:timing>
 </p:sldLayout>
 </file>
 
@@ -3188,10 +3156,9 @@
           </a:lstStyle>
           <a:p>
             <a:r>
-              <a:rPr lang="ko-KR" altLang="en-US" smtClean="0"/>
+              <a:rPr lang="ko-KR" altLang="en-US"/>
               <a:t>마스터 제목 스타일 편집</a:t>
             </a:r>
-            <a:endParaRPr lang="ko-KR" altLang="en-US"/>
           </a:p>
         </p:txBody>
       </p:sp>
@@ -3245,38 +3212,37 @@
           <a:p>
             <a:pPr lvl="0"/>
             <a:r>
-              <a:rPr lang="ko-KR" altLang="en-US" smtClean="0"/>
+              <a:rPr lang="ko-KR" altLang="en-US"/>
               <a:t>마스터 텍스트 스타일을 편집합니다</a:t>
             </a:r>
           </a:p>
           <a:p>
             <a:pPr lvl="1"/>
             <a:r>
-              <a:rPr lang="ko-KR" altLang="en-US" smtClean="0"/>
+              <a:rPr lang="ko-KR" altLang="en-US"/>
               <a:t>둘째 수준</a:t>
             </a:r>
           </a:p>
           <a:p>
             <a:pPr lvl="2"/>
             <a:r>
-              <a:rPr lang="ko-KR" altLang="en-US" smtClean="0"/>
+              <a:rPr lang="ko-KR" altLang="en-US"/>
               <a:t>셋째 수준</a:t>
             </a:r>
           </a:p>
           <a:p>
             <a:pPr lvl="3"/>
             <a:r>
-              <a:rPr lang="ko-KR" altLang="en-US" smtClean="0"/>
+              <a:rPr lang="ko-KR" altLang="en-US"/>
               <a:t>넷째 수준</a:t>
             </a:r>
           </a:p>
           <a:p>
             <a:pPr lvl="4"/>
             <a:r>
-              <a:rPr lang="ko-KR" altLang="en-US" smtClean="0"/>
+              <a:rPr lang="ko-KR" altLang="en-US"/>
               <a:t>다섯째 수준</a:t>
             </a:r>
-            <a:endParaRPr lang="ko-KR" altLang="en-US"/>
           </a:p>
         </p:txBody>
       </p:sp>
@@ -3339,7 +3305,7 @@
           <a:p>
             <a:pPr lvl="0"/>
             <a:r>
-              <a:rPr lang="ko-KR" altLang="en-US" smtClean="0"/>
+              <a:rPr lang="ko-KR" altLang="en-US"/>
               <a:t>마스터 텍스트 스타일을 편집합니다</a:t>
             </a:r>
           </a:p>
@@ -3363,7 +3329,7 @@
             <a:fld id="{BB5D5985-9155-4A4F-A545-EFF2E5BDFE10}" type="datetime1">
               <a:rPr lang="ko-KR" altLang="en-US" smtClean="0"/>
               <a:pPr/>
-              <a:t>2021-11-05</a:t>
+              <a:t>2022-02-10</a:t>
             </a:fld>
             <a:endParaRPr lang="ko-KR" altLang="en-US"/>
           </a:p>
@@ -3422,13 +3388,6 @@
   <p:clrMapOvr>
     <a:masterClrMapping/>
   </p:clrMapOvr>
-  <p:timing>
-    <p:tnLst>
-      <p:par>
-        <p:cTn id="1" dur="indefinite" restart="never" nodeType="tmRoot"/>
-      </p:par>
-    </p:tnLst>
-  </p:timing>
 </p:sldLayout>
 </file>
 
@@ -3480,10 +3439,9 @@
           <a:lstStyle/>
           <a:p>
             <a:r>
-              <a:rPr lang="ko-KR" altLang="en-US" smtClean="0"/>
+              <a:rPr lang="ko-KR" altLang="en-US"/>
               <a:t>마스터 제목 스타일 편집</a:t>
             </a:r>
-            <a:endParaRPr lang="ko-KR" altLang="en-US"/>
           </a:p>
         </p:txBody>
       </p:sp>
@@ -3514,38 +3472,37 @@
           <a:p>
             <a:pPr lvl="0"/>
             <a:r>
-              <a:rPr lang="ko-KR" altLang="en-US" smtClean="0"/>
+              <a:rPr lang="ko-KR" altLang="en-US"/>
               <a:t>마스터 텍스트 스타일을 편집합니다</a:t>
             </a:r>
           </a:p>
           <a:p>
             <a:pPr lvl="1"/>
             <a:r>
-              <a:rPr lang="ko-KR" altLang="en-US" smtClean="0"/>
+              <a:rPr lang="ko-KR" altLang="en-US"/>
               <a:t>둘째 수준</a:t>
             </a:r>
           </a:p>
           <a:p>
             <a:pPr lvl="2"/>
             <a:r>
-              <a:rPr lang="ko-KR" altLang="en-US" smtClean="0"/>
+              <a:rPr lang="ko-KR" altLang="en-US"/>
               <a:t>셋째 수준</a:t>
             </a:r>
           </a:p>
           <a:p>
             <a:pPr lvl="3"/>
             <a:r>
-              <a:rPr lang="ko-KR" altLang="en-US" smtClean="0"/>
+              <a:rPr lang="ko-KR" altLang="en-US"/>
               <a:t>넷째 수준</a:t>
             </a:r>
           </a:p>
           <a:p>
             <a:pPr lvl="4"/>
             <a:r>
-              <a:rPr lang="ko-KR" altLang="en-US" smtClean="0"/>
+              <a:rPr lang="ko-KR" altLang="en-US"/>
               <a:t>다섯째 수준</a:t>
             </a:r>
-            <a:endParaRPr lang="ko-KR" altLang="en-US"/>
           </a:p>
         </p:txBody>
       </p:sp>
@@ -3585,7 +3542,7 @@
             <a:fld id="{F5078468-8E36-4528-8629-5ECE6BEC95B9}" type="datetime1">
               <a:rPr lang="ko-KR" altLang="en-US" smtClean="0"/>
               <a:pPr/>
-              <a:t>2021-11-05</a:t>
+              <a:t>2022-02-10</a:t>
             </a:fld>
             <a:endParaRPr lang="ko-KR" altLang="en-US"/>
           </a:p>
@@ -3692,13 +3649,6 @@
     <p:sldLayoutId id="2147483658" r:id="rId11"/>
     <p:sldLayoutId id="2147483659" r:id="rId12"/>
   </p:sldLayoutIdLst>
-  <p:timing>
-    <p:tnLst>
-      <p:par>
-        <p:cTn id="1" dur="indefinite" restart="never" nodeType="tmRoot"/>
-      </p:par>
-    </p:tnLst>
-  </p:timing>
   <p:hf hdr="0" ftr="0" dt="0"/>
   <p:txStyles>
     <p:titleStyle>
@@ -4023,7 +3973,7 @@
           <a:lstStyle/>
           <a:p>
             <a:r>
-              <a:rPr lang="en-US" altLang="ko-KR" sz="2000" spc="-150" dirty="0" smtClean="0">
+              <a:rPr lang="en-US" altLang="ko-KR" sz="2000" spc="-150" dirty="0">
                 <a:solidFill>
                   <a:srgbClr val="0070C0"/>
                 </a:solidFill>
@@ -4033,7 +3983,7 @@
               <a:t>15</a:t>
             </a:r>
             <a:r>
-              <a:rPr lang="ko-KR" altLang="en-US" sz="2000" spc="-150" dirty="0" smtClean="0">
+              <a:rPr lang="ko-KR" altLang="en-US" sz="2000" spc="-150" dirty="0">
                 <a:solidFill>
                   <a:srgbClr val="0070C0"/>
                 </a:solidFill>
@@ -4043,7 +3993,7 @@
               <a:t>강</a:t>
             </a:r>
             <a:r>
-              <a:rPr lang="en-US" altLang="ko-KR" sz="2000" spc="-150" dirty="0" smtClean="0">
+              <a:rPr lang="en-US" altLang="ko-KR" sz="2000" spc="-150" dirty="0">
                 <a:solidFill>
                   <a:srgbClr val="0070C0"/>
                 </a:solidFill>
@@ -4053,7 +4003,7 @@
               <a:t>. </a:t>
             </a:r>
             <a:r>
-              <a:rPr lang="ko-KR" altLang="en-US" sz="2000" spc="-150" dirty="0" smtClean="0">
+              <a:rPr lang="ko-KR" altLang="en-US" sz="2000" spc="-150" dirty="0">
                 <a:solidFill>
                   <a:srgbClr val="0070C0"/>
                 </a:solidFill>
@@ -4062,13 +4012,6 @@
               </a:rPr>
               <a:t>예외 페이지</a:t>
             </a:r>
-            <a:endParaRPr lang="ko-KR" altLang="en-US" sz="2000" spc="-150" dirty="0">
-              <a:solidFill>
-                <a:srgbClr val="0070C0"/>
-              </a:solidFill>
-              <a:latin typeface="+mj-ea"/>
-              <a:ea typeface="+mj-ea"/>
-            </a:endParaRPr>
           </a:p>
         </p:txBody>
       </p:sp>
@@ -4098,18 +4041,6 @@
               <a:buFontTx/>
               <a:buChar char="-"/>
             </a:pPr>
-            <a:r>
-              <a:rPr lang="ko-KR" altLang="en-US" sz="1200" dirty="0" smtClean="0">
-                <a:solidFill>
-                  <a:schemeClr val="tx1">
-                    <a:lumMod val="65000"/>
-                    <a:lumOff val="35000"/>
-                  </a:schemeClr>
-                </a:solidFill>
-                <a:latin typeface="+mn-ea"/>
-              </a:rPr>
-              <a:t>예외 </a:t>
-            </a:r>
             <a:r>
               <a:rPr lang="ko-KR" altLang="en-US" sz="1200" dirty="0">
                 <a:solidFill>
@@ -4120,21 +4051,9 @@
                 </a:solidFill>
                 <a:latin typeface="+mn-ea"/>
               </a:rPr>
-              <a:t>페이지의 </a:t>
-            </a:r>
-            <a:r>
-              <a:rPr lang="ko-KR" altLang="en-US" sz="1200" dirty="0" smtClean="0">
-                <a:solidFill>
-                  <a:schemeClr val="tx1">
-                    <a:lumMod val="65000"/>
-                    <a:lumOff val="35000"/>
-                  </a:schemeClr>
-                </a:solidFill>
-                <a:latin typeface="+mn-ea"/>
-              </a:rPr>
-              <a:t>필요성</a:t>
-            </a:r>
-            <a:endParaRPr lang="en-US" altLang="ko-KR" sz="1200" dirty="0" smtClean="0">
+              <a:t>예외 페이지의 필요성</a:t>
+            </a:r>
+            <a:endParaRPr lang="en-US" altLang="ko-KR" sz="1200" dirty="0">
               <a:solidFill>
                 <a:schemeClr val="tx1">
                   <a:lumMod val="65000"/>
@@ -4150,7 +4069,7 @@
               <a:buChar char="-"/>
             </a:pPr>
             <a:r>
-              <a:rPr lang="en-US" altLang="ko-KR" sz="1200" dirty="0" smtClean="0">
+              <a:rPr lang="en-US" altLang="ko-KR" sz="1200" dirty="0">
                 <a:solidFill>
                   <a:schemeClr val="tx1">
                     <a:lumMod val="65000"/>
@@ -4162,7 +4081,7 @@
               <a:t>page </a:t>
             </a:r>
             <a:r>
-              <a:rPr lang="ko-KR" altLang="en-US" sz="1200" dirty="0" err="1" smtClean="0">
+              <a:rPr lang="ko-KR" altLang="en-US" sz="1200" dirty="0" err="1">
                 <a:solidFill>
                   <a:schemeClr val="tx1">
                     <a:lumMod val="65000"/>
@@ -4174,7 +4093,7 @@
               <a:t>지시자를</a:t>
             </a:r>
             <a:r>
-              <a:rPr lang="ko-KR" altLang="en-US" sz="1200" dirty="0" smtClean="0">
+              <a:rPr lang="ko-KR" altLang="en-US" sz="1200" dirty="0">
                 <a:solidFill>
                   <a:schemeClr val="tx1">
                     <a:lumMod val="65000"/>
@@ -4185,7 +4104,7 @@
               </a:rPr>
               <a:t> 이용한 예외 처리</a:t>
             </a:r>
-            <a:endParaRPr lang="en-US" altLang="ko-KR" sz="1200" dirty="0" smtClean="0">
+            <a:endParaRPr lang="en-US" altLang="ko-KR" sz="1200" dirty="0">
               <a:solidFill>
                 <a:schemeClr val="tx1">
                   <a:lumMod val="65000"/>
@@ -4210,10 +4129,10 @@
                 </a:solidFill>
                 <a:latin typeface="+mn-ea"/>
               </a:rPr>
-              <a:t>w</a:t>
-            </a:r>
-            <a:r>
-              <a:rPr lang="en-US" altLang="ko-KR" sz="1200" dirty="0" smtClean="0">
+              <a:t>web.xml</a:t>
+            </a:r>
+            <a:r>
+              <a:rPr lang="ko-KR" altLang="en-US" sz="1200" dirty="0">
                 <a:solidFill>
                   <a:schemeClr val="tx1">
                     <a:lumMod val="65000"/>
@@ -4222,21 +4141,9 @@
                 </a:solidFill>
                 <a:latin typeface="+mn-ea"/>
               </a:rPr>
-              <a:t>eb.xml</a:t>
-            </a:r>
-            <a:r>
-              <a:rPr lang="ko-KR" altLang="en-US" sz="1200" dirty="0" smtClean="0">
-                <a:solidFill>
-                  <a:schemeClr val="tx1">
-                    <a:lumMod val="65000"/>
-                    <a:lumOff val="35000"/>
-                  </a:schemeClr>
-                </a:solidFill>
-                <a:latin typeface="+mn-ea"/>
-              </a:rPr>
               <a:t>파일을 이용한 예외 처리</a:t>
             </a:r>
-            <a:endParaRPr lang="en-US" altLang="ko-KR" sz="1200" dirty="0" smtClean="0">
+            <a:endParaRPr lang="en-US" altLang="ko-KR" sz="1200" dirty="0">
               <a:solidFill>
                 <a:schemeClr val="tx1">
                   <a:lumMod val="65000"/>
@@ -4258,13 +4165,6 @@
   <p:clrMapOvr>
     <a:masterClrMapping/>
   </p:clrMapOvr>
-  <p:timing>
-    <p:tnLst>
-      <p:par>
-        <p:cTn id="1" dur="indefinite" restart="never" nodeType="tmRoot"/>
-      </p:par>
-    </p:tnLst>
-  </p:timing>
 </p:sld>
 </file>
 
@@ -4308,7 +4208,7 @@
           <a:lstStyle/>
           <a:p>
             <a:r>
-              <a:rPr lang="en-US" altLang="ko-KR" sz="1600" b="1" kern="1200" dirty="0" smtClean="0">
+              <a:rPr lang="en-US" altLang="ko-KR" sz="1600" b="1" kern="1200" dirty="0">
                 <a:solidFill>
                   <a:schemeClr val="tx1"/>
                 </a:solidFill>
@@ -4319,7 +4219,7 @@
               <a:t>15-1.</a:t>
             </a:r>
             <a:r>
-              <a:rPr lang="en-US" altLang="ko-KR" sz="1600" b="1" kern="1200" baseline="0" dirty="0" smtClean="0">
+              <a:rPr lang="en-US" altLang="ko-KR" sz="1600" b="1" kern="1200" baseline="0" dirty="0">
                 <a:solidFill>
                   <a:schemeClr val="tx1"/>
                 </a:solidFill>
@@ -4427,31 +4327,31 @@
           <a:lstStyle/>
           <a:p>
             <a:r>
-              <a:rPr lang="en-US" altLang="ko-KR" sz="1100" dirty="0" smtClean="0">
+              <a:rPr lang="en-US" altLang="ko-KR" sz="1100" dirty="0">
                 <a:latin typeface="+mn-ea"/>
               </a:rPr>
               <a:t>JAVA</a:t>
             </a:r>
             <a:r>
-              <a:rPr lang="ko-KR" altLang="en-US" sz="1100" dirty="0" smtClean="0">
+              <a:rPr lang="ko-KR" altLang="en-US" sz="1100" dirty="0">
                 <a:latin typeface="+mn-ea"/>
               </a:rPr>
               <a:t>언어에서 아마도 예외처리에 대해서 사전 학습을 했을 것 입니다</a:t>
             </a:r>
             <a:r>
-              <a:rPr lang="en-US" altLang="ko-KR" sz="1100" dirty="0" smtClean="0">
+              <a:rPr lang="en-US" altLang="ko-KR" sz="1100" dirty="0">
                 <a:latin typeface="+mn-ea"/>
               </a:rPr>
               <a:t>. JSP, Servlet</a:t>
             </a:r>
             <a:r>
-              <a:rPr lang="ko-KR" altLang="en-US" sz="1100" dirty="0" smtClean="0">
+              <a:rPr lang="ko-KR" altLang="en-US" sz="1100" dirty="0">
                 <a:latin typeface="+mn-ea"/>
               </a:rPr>
               <a:t>에서도 예외가 발생 할 수 있습니다</a:t>
             </a:r>
             <a:r>
-              <a:rPr lang="en-US" altLang="ko-KR" sz="1100" dirty="0" smtClean="0">
+              <a:rPr lang="en-US" altLang="ko-KR" sz="1100" dirty="0">
                 <a:latin typeface="+mn-ea"/>
               </a:rPr>
               <a:t>.</a:t>
@@ -4459,73 +4359,73 @@
           </a:p>
           <a:p>
             <a:r>
-              <a:rPr lang="ko-KR" altLang="en-US" sz="1100" dirty="0" smtClean="0">
+              <a:rPr lang="ko-KR" altLang="en-US" sz="1100" dirty="0">
                 <a:latin typeface="+mn-ea"/>
               </a:rPr>
               <a:t>예외적인 상황이 발생했을 경우 </a:t>
             </a:r>
             <a:r>
-              <a:rPr lang="ko-KR" altLang="en-US" sz="1100" dirty="0" err="1" smtClean="0">
+              <a:rPr lang="ko-KR" altLang="en-US" sz="1100" dirty="0" err="1">
                 <a:latin typeface="+mn-ea"/>
               </a:rPr>
               <a:t>웹컨테이너</a:t>
             </a:r>
             <a:r>
-              <a:rPr lang="en-US" altLang="ko-KR" sz="1100" dirty="0" smtClean="0">
+              <a:rPr lang="en-US" altLang="ko-KR" sz="1100" dirty="0">
                 <a:latin typeface="+mn-ea"/>
               </a:rPr>
               <a:t>(</a:t>
             </a:r>
             <a:r>
-              <a:rPr lang="ko-KR" altLang="en-US" sz="1100" dirty="0" err="1" smtClean="0">
+              <a:rPr lang="ko-KR" altLang="en-US" sz="1100" dirty="0" err="1">
                 <a:latin typeface="+mn-ea"/>
               </a:rPr>
               <a:t>톰캣</a:t>
             </a:r>
             <a:r>
-              <a:rPr lang="en-US" altLang="ko-KR" sz="1100" dirty="0" smtClean="0">
+              <a:rPr lang="en-US" altLang="ko-KR" sz="1100" dirty="0">
                 <a:latin typeface="+mn-ea"/>
               </a:rPr>
               <a:t>)</a:t>
             </a:r>
             <a:r>
-              <a:rPr lang="ko-KR" altLang="en-US" sz="1100" dirty="0" smtClean="0">
+              <a:rPr lang="ko-KR" altLang="en-US" sz="1100" dirty="0">
                 <a:latin typeface="+mn-ea"/>
               </a:rPr>
               <a:t>에서 제공되는 기본적인 예외 페이지가 보여 진다면</a:t>
             </a:r>
             <a:r>
-              <a:rPr lang="en-US" altLang="ko-KR" sz="1100" dirty="0" smtClean="0">
+              <a:rPr lang="en-US" altLang="ko-KR" sz="1100" dirty="0">
                 <a:latin typeface="+mn-ea"/>
               </a:rPr>
               <a:t>, </a:t>
             </a:r>
             <a:r>
-              <a:rPr lang="ko-KR" altLang="en-US" sz="1100" dirty="0" smtClean="0">
+              <a:rPr lang="ko-KR" altLang="en-US" sz="1100" dirty="0">
                 <a:latin typeface="+mn-ea"/>
               </a:rPr>
               <a:t>사용자로 하여금 뭔가 불쾌한 느낌이 들면서</a:t>
             </a:r>
             <a:r>
-              <a:rPr lang="en-US" altLang="ko-KR" sz="1100" dirty="0" smtClean="0">
+              <a:rPr lang="en-US" altLang="ko-KR" sz="1100" dirty="0">
                 <a:latin typeface="+mn-ea"/>
               </a:rPr>
               <a:t>, </a:t>
             </a:r>
             <a:r>
-              <a:rPr lang="ko-KR" altLang="en-US" sz="1100" dirty="0" smtClean="0">
+              <a:rPr lang="ko-KR" altLang="en-US" sz="1100" dirty="0">
                 <a:latin typeface="+mn-ea"/>
               </a:rPr>
               <a:t>다시는 해당 사이트에 접속하려 들지 않을 것 입니다</a:t>
             </a:r>
             <a:r>
-              <a:rPr lang="en-US" altLang="ko-KR" sz="1100" dirty="0" smtClean="0">
+              <a:rPr lang="en-US" altLang="ko-KR" sz="1100" dirty="0">
                 <a:latin typeface="+mn-ea"/>
               </a:rPr>
               <a:t>. </a:t>
             </a:r>
             <a:r>
-              <a:rPr lang="ko-KR" altLang="en-US" sz="1100" dirty="0" smtClean="0">
+              <a:rPr lang="ko-KR" altLang="en-US" sz="1100" dirty="0">
                 <a:latin typeface="+mn-ea"/>
               </a:rPr>
               <a:t>따라서 약간은 다소 딱딱한 에러 페이지를 보다 친근한 느낌이 느껴지는 페이지로 유도 할 수 있습니다</a:t>
@@ -4536,9 +4436,6 @@
               </a:rPr>
               <a:t>.</a:t>
             </a:r>
-            <a:endParaRPr lang="en-US" altLang="ko-KR" sz="1100" dirty="0" smtClean="0">
-              <a:latin typeface="+mn-ea"/>
-            </a:endParaRPr>
           </a:p>
         </p:txBody>
       </p:sp>
@@ -4576,13 +4473,6 @@
   <p:clrMapOvr>
     <a:masterClrMapping/>
   </p:clrMapOvr>
-  <p:timing>
-    <p:tnLst>
-      <p:par>
-        <p:cTn id="1" dur="indefinite" restart="never" nodeType="tmRoot"/>
-      </p:par>
-    </p:tnLst>
-  </p:timing>
 </p:sld>
 </file>
 
@@ -4710,7 +4600,7 @@
           <a:lstStyle/>
           <a:p>
             <a:r>
-              <a:rPr lang="en-US" altLang="ko-KR" sz="1600" b="1" kern="1200" dirty="0" smtClean="0">
+              <a:rPr lang="en-US" altLang="ko-KR" sz="1600" b="1" kern="1200" dirty="0">
                 <a:solidFill>
                   <a:schemeClr val="tx1"/>
                 </a:solidFill>
@@ -4721,7 +4611,7 @@
               <a:t>15-2.</a:t>
             </a:r>
             <a:r>
-              <a:rPr lang="en-US" altLang="ko-KR" sz="1600" b="1" kern="1200" baseline="0" dirty="0" smtClean="0">
+              <a:rPr lang="en-US" altLang="ko-KR" sz="1600" b="1" kern="1200" baseline="0" dirty="0">
                 <a:solidFill>
                   <a:schemeClr val="tx1"/>
                 </a:solidFill>
@@ -4732,19 +4622,19 @@
               <a:t> </a:t>
             </a:r>
             <a:r>
-              <a:rPr lang="en-US" altLang="ko-KR" sz="1600" b="1" dirty="0" smtClean="0">
+              <a:rPr lang="en-US" altLang="ko-KR" sz="1600" b="1" dirty="0">
                 <a:latin typeface="+mn-ea"/>
               </a:rPr>
               <a:t>page</a:t>
             </a:r>
             <a:r>
-              <a:rPr lang="ko-KR" altLang="en-US" sz="1600" b="1" dirty="0" err="1" smtClean="0">
+              <a:rPr lang="ko-KR" altLang="en-US" sz="1600" b="1" dirty="0" err="1">
                 <a:latin typeface="+mn-ea"/>
               </a:rPr>
               <a:t>지시자를</a:t>
             </a:r>
             <a:r>
-              <a:rPr lang="ko-KR" altLang="en-US" sz="1600" b="1" dirty="0" smtClean="0">
+              <a:rPr lang="ko-KR" altLang="en-US" sz="1600" b="1" dirty="0">
                 <a:latin typeface="+mn-ea"/>
               </a:rPr>
               <a:t> 이용한 예외 처리</a:t>
@@ -4974,95 +4864,77 @@
           <a:p>
             <a:pPr algn="ctr"/>
             <a:r>
-              <a:rPr lang="ko-KR" altLang="en-US" sz="1100" smtClean="0">
-                <a:latin typeface="+mn-ea"/>
-              </a:rPr>
-              <a:t>예외 </a:t>
-            </a:r>
-            <a:r>
-              <a:rPr lang="ko-KR" altLang="en-US" sz="1100" smtClean="0">
-                <a:latin typeface="+mn-ea"/>
-              </a:rPr>
-              <a:t>발생 가능성이 있는 페이지</a:t>
-            </a:r>
-            <a:r>
-              <a:rPr lang="en-US" altLang="ko-KR" sz="1100" smtClean="0">
-                <a:latin typeface="+mn-ea"/>
-              </a:rPr>
-              <a:t/>
+              <a:rPr lang="ko-KR" altLang="en-US" sz="1100">
+                <a:latin typeface="+mn-ea"/>
+              </a:rPr>
+              <a:t>예외 발생 가능성이 있는 페이지</a:t>
             </a:r>
             <a:br>
-              <a:rPr lang="en-US" altLang="ko-KR" sz="1100" smtClean="0">
+              <a:rPr lang="en-US" altLang="ko-KR" sz="1100">
                 <a:latin typeface="+mn-ea"/>
               </a:rPr>
             </a:br>
             <a:r>
-              <a:rPr lang="en-US" altLang="ko-KR" sz="1100" smtClean="0">
-                <a:latin typeface="+mn-ea"/>
-              </a:rPr>
-              <a:t>@</a:t>
-            </a:r>
-            <a:r>
-              <a:rPr lang="en-US" altLang="ko-KR" sz="1100" smtClean="0">
-                <a:latin typeface="+mn-ea"/>
-              </a:rPr>
-              <a:t>page</a:t>
-            </a:r>
-            <a:r>
-              <a:rPr lang="ko-KR" altLang="en-US" sz="1100" smtClean="0">
+              <a:rPr lang="en-US" altLang="ko-KR" sz="1100">
+                <a:latin typeface="+mn-ea"/>
+              </a:rPr>
+              <a:t>@page</a:t>
+            </a:r>
+            <a:r>
+              <a:rPr lang="ko-KR" altLang="en-US" sz="1100">
                 <a:latin typeface="+mn-ea"/>
               </a:rPr>
               <a:t>지시자 태그에 </a:t>
             </a:r>
             <a:r>
-              <a:rPr lang="en-US" altLang="ko-KR" sz="1100" smtClean="0">
+              <a:rPr lang="en-US" altLang="ko-KR" sz="1100">
                 <a:latin typeface="+mn-ea"/>
               </a:rPr>
               <a:t>errorPage</a:t>
             </a:r>
             <a:r>
-              <a:rPr lang="ko-KR" altLang="en-US" sz="1100" smtClean="0">
+              <a:rPr lang="ko-KR" altLang="en-US" sz="1100">
                 <a:latin typeface="+mn-ea"/>
               </a:rPr>
               <a:t>속성에</a:t>
             </a:r>
-            <a:endParaRPr lang="en-US" altLang="ko-KR" sz="1100" smtClean="0">
+            <a:endParaRPr lang="en-US" altLang="ko-KR" sz="1100">
               <a:latin typeface="+mn-ea"/>
             </a:endParaRPr>
           </a:p>
           <a:p>
             <a:pPr algn="ctr"/>
             <a:r>
-              <a:rPr lang="ko-KR" altLang="en-US" sz="1100" smtClean="0">
+              <a:rPr lang="ko-KR" altLang="en-US" sz="1100">
                 <a:latin typeface="+mn-ea"/>
               </a:rPr>
               <a:t>에러를</a:t>
             </a:r>
             <a:r>
-              <a:rPr lang="en-US" altLang="ko-KR" sz="1100" smtClean="0">
+              <a:rPr lang="en-US" altLang="ko-KR" sz="1100">
                 <a:latin typeface="+mn-ea"/>
               </a:rPr>
               <a:t> </a:t>
             </a:r>
             <a:r>
-              <a:rPr lang="ko-KR" altLang="en-US" sz="1100" smtClean="0">
+              <a:rPr lang="ko-KR" altLang="en-US" sz="1100">
                 <a:latin typeface="+mn-ea"/>
               </a:rPr>
               <a:t>처리하는 </a:t>
             </a:r>
             <a:r>
-              <a:rPr lang="en-US" altLang="ko-KR" sz="1100" smtClean="0">
+              <a:rPr lang="en-US" altLang="ko-KR" sz="1100">
                 <a:latin typeface="+mn-ea"/>
               </a:rPr>
               <a:t>jsp </a:t>
             </a:r>
             <a:r>
-              <a:rPr lang="ko-KR" altLang="en-US" sz="1100" smtClean="0">
+              <a:rPr lang="ko-KR" altLang="en-US" sz="1100">
                 <a:latin typeface="+mn-ea"/>
               </a:rPr>
               <a:t>페이지 주소를 적어줌</a:t>
             </a:r>
-            <a:endParaRPr lang="en-US" altLang="ko-KR" sz="1100" dirty="0" smtClean="0">
+            <a:endParaRPr lang="en-US" altLang="ko-KR" sz="1100" dirty="0">
               <a:latin typeface="+mn-ea"/>
             </a:endParaRPr>
           </a:p>
@@ -5092,36 +4964,30 @@
           <a:p>
             <a:pPr algn="ctr"/>
             <a:r>
-              <a:rPr lang="ko-KR" altLang="en-US" sz="1100" smtClean="0">
+              <a:rPr lang="ko-KR" altLang="en-US" sz="1100">
                 <a:latin typeface="+mn-ea"/>
               </a:rPr>
               <a:t>예외를 처리하는  페이지</a:t>
             </a:r>
-            <a:r>
-              <a:rPr lang="en-US" altLang="ko-KR" sz="1100" smtClean="0">
-                <a:latin typeface="+mn-ea"/>
-              </a:rPr>
-              <a:t/>
-            </a:r>
             <a:br>
-              <a:rPr lang="en-US" altLang="ko-KR" sz="1100" smtClean="0">
+              <a:rPr lang="en-US" altLang="ko-KR" sz="1100">
                 <a:latin typeface="+mn-ea"/>
               </a:rPr>
             </a:br>
             <a:r>
-              <a:rPr lang="en-US" altLang="ko-KR" sz="1100" smtClean="0">
+              <a:rPr lang="en-US" altLang="ko-KR" sz="1100">
                 <a:latin typeface="+mn-ea"/>
               </a:rPr>
               <a:t>@page</a:t>
             </a:r>
             <a:r>
-              <a:rPr lang="ko-KR" altLang="en-US" sz="1100" smtClean="0">
+              <a:rPr lang="ko-KR" altLang="en-US" sz="1100">
                 <a:latin typeface="+mn-ea"/>
               </a:rPr>
               <a:t>지시자에 </a:t>
             </a:r>
             <a:r>
-              <a:rPr lang="en-US" altLang="ko-KR" sz="1100" smtClean="0">
+              <a:rPr lang="en-US" altLang="ko-KR" sz="1100">
                 <a:latin typeface="+mn-ea"/>
               </a:rPr>
               <a:t>isErrorPage=“true”</a:t>
@@ -5130,65 +4996,59 @@
           <a:p>
             <a:pPr algn="ctr"/>
             <a:r>
-              <a:rPr lang="ko-KR" altLang="en-US" sz="1100" smtClean="0">
+              <a:rPr lang="ko-KR" altLang="en-US" sz="1100">
                 <a:latin typeface="+mn-ea"/>
               </a:rPr>
               <a:t>속성을 표시</a:t>
             </a:r>
-            <a:endParaRPr lang="en-US" altLang="ko-KR" sz="1100" smtClean="0">
+            <a:endParaRPr lang="en-US" altLang="ko-KR" sz="1100">
               <a:latin typeface="+mn-ea"/>
             </a:endParaRPr>
           </a:p>
           <a:p>
             <a:pPr algn="ctr"/>
             <a:r>
-              <a:rPr lang="ko-KR" altLang="en-US" sz="1100" smtClean="0">
+              <a:rPr lang="ko-KR" altLang="en-US" sz="1100">
                 <a:latin typeface="+mn-ea"/>
               </a:rPr>
               <a:t>응답 상태를 정상처리</a:t>
             </a:r>
-            <a:r>
-              <a:rPr lang="en-US" altLang="ko-KR" sz="1100" smtClean="0">
-                <a:latin typeface="+mn-ea"/>
-              </a:rPr>
-              <a:t/>
-            </a:r>
             <a:br>
-              <a:rPr lang="en-US" altLang="ko-KR" sz="1100" smtClean="0">
+              <a:rPr lang="en-US" altLang="ko-KR" sz="1100">
                 <a:latin typeface="+mn-ea"/>
               </a:rPr>
             </a:br>
             <a:r>
-              <a:rPr lang="en-US" altLang="ko-KR" sz="1100" smtClean="0">
+              <a:rPr lang="en-US" altLang="ko-KR" sz="1100">
                 <a:latin typeface="+mn-ea"/>
               </a:rPr>
               <a:t>200</a:t>
             </a:r>
             <a:r>
-              <a:rPr lang="ko-KR" altLang="en-US" sz="1100" smtClean="0">
+              <a:rPr lang="ko-KR" altLang="en-US" sz="1100">
                 <a:latin typeface="+mn-ea"/>
               </a:rPr>
               <a:t>상태는 정상 상태</a:t>
             </a:r>
-            <a:endParaRPr lang="en-US" altLang="ko-KR" sz="1100" smtClean="0">
+            <a:endParaRPr lang="en-US" altLang="ko-KR" sz="1100">
               <a:latin typeface="+mn-ea"/>
             </a:endParaRPr>
           </a:p>
           <a:p>
             <a:pPr algn="ctr"/>
             <a:r>
-              <a:rPr lang="en-US" altLang="ko-KR" sz="1100" smtClean="0">
+              <a:rPr lang="en-US" altLang="ko-KR" sz="1100">
                 <a:latin typeface="+mn-ea"/>
               </a:rPr>
               <a:t>Exception.getMessage()</a:t>
             </a:r>
             <a:r>
-              <a:rPr lang="ko-KR" altLang="en-US" sz="1100" smtClean="0">
+              <a:rPr lang="ko-KR" altLang="en-US" sz="1100">
                 <a:latin typeface="+mn-ea"/>
               </a:rPr>
               <a:t>로 예외 내용을 반환</a:t>
             </a:r>
-            <a:endParaRPr lang="en-US" altLang="ko-KR" sz="1100" dirty="0" smtClean="0">
+            <a:endParaRPr lang="en-US" altLang="ko-KR" sz="1100" dirty="0">
               <a:latin typeface="+mn-ea"/>
             </a:endParaRPr>
           </a:p>
@@ -5250,7 +5110,7 @@
           <a:lstStyle/>
           <a:p>
             <a:r>
-              <a:rPr lang="en-US" altLang="ko-KR" sz="1100" dirty="0" smtClean="0">
+              <a:rPr lang="en-US" altLang="ko-KR" sz="1100" dirty="0">
                 <a:latin typeface="+mn-ea"/>
               </a:rPr>
               <a:t>(jsp_15_2_ex1_exceptionex)</a:t>
@@ -5268,13 +5128,6 @@
   <p:clrMapOvr>
     <a:masterClrMapping/>
   </p:clrMapOvr>
-  <p:timing>
-    <p:tnLst>
-      <p:par>
-        <p:cTn id="1" dur="indefinite" restart="never" nodeType="tmRoot"/>
-      </p:par>
-    </p:tnLst>
-  </p:timing>
 </p:sld>
 </file>
 
@@ -5318,7 +5171,7 @@
           <a:lstStyle/>
           <a:p>
             <a:r>
-              <a:rPr lang="en-US" altLang="ko-KR" sz="1600" b="1" kern="1200" dirty="0" smtClean="0">
+              <a:rPr lang="en-US" altLang="ko-KR" sz="1600" b="1" kern="1200" dirty="0">
                 <a:solidFill>
                   <a:schemeClr val="tx1"/>
                 </a:solidFill>
@@ -5329,7 +5182,7 @@
               <a:t>15-3.</a:t>
             </a:r>
             <a:r>
-              <a:rPr lang="en-US" altLang="ko-KR" sz="1600" b="1" kern="1200" baseline="0" dirty="0" smtClean="0">
+              <a:rPr lang="en-US" altLang="ko-KR" sz="1600" b="1" kern="1200" baseline="0" dirty="0">
                 <a:solidFill>
                   <a:schemeClr val="tx1"/>
                 </a:solidFill>
@@ -5340,16 +5193,34 @@
               <a:t> </a:t>
             </a:r>
             <a:r>
-              <a:rPr lang="en-US" altLang="ko-KR" sz="1600" b="1" dirty="0" smtClean="0">
+              <a:rPr lang="en-US" altLang="ko-KR" sz="1600" b="1" dirty="0">
                 <a:latin typeface="+mn-ea"/>
               </a:rPr>
               <a:t>web.xml</a:t>
             </a:r>
             <a:r>
-              <a:rPr lang="ko-KR" altLang="en-US" sz="1600" b="1" dirty="0" smtClean="0">
+              <a:rPr lang="ko-KR" altLang="en-US" sz="1600" b="1" dirty="0">
                 <a:latin typeface="+mn-ea"/>
               </a:rPr>
               <a:t>파일을 이용한 예외 처리</a:t>
+            </a:r>
+            <a:r>
+              <a:rPr lang="en-US" altLang="ko-KR" sz="1600" b="1" dirty="0">
+                <a:latin typeface="+mn-ea"/>
+              </a:rPr>
+              <a:t>(</a:t>
+            </a:r>
+            <a:r>
+              <a:rPr lang="ko-KR" altLang="en-US" sz="1600" b="1" dirty="0">
+                <a:latin typeface="+mn-ea"/>
+              </a:rPr>
+              <a:t>예외발생가능 페이지에 에러페이지 설정 필요 없음</a:t>
+            </a:r>
+            <a:r>
+              <a:rPr lang="en-US" altLang="ko-KR" sz="1600" b="1" dirty="0">
+                <a:latin typeface="+mn-ea"/>
+              </a:rPr>
+              <a:t>)</a:t>
             </a:r>
             <a:endParaRPr lang="ko-KR" altLang="en-US" sz="1600" b="1" dirty="0">
               <a:latin typeface="+mn-ea"/>
@@ -5443,7 +5314,7 @@
           <a:lstStyle/>
           <a:p>
             <a:r>
-              <a:rPr lang="en-US" altLang="ko-KR" sz="1100" dirty="0" smtClean="0">
+              <a:rPr lang="en-US" altLang="ko-KR" sz="1100" dirty="0">
                 <a:latin typeface="+mn-ea"/>
               </a:rPr>
               <a:t>(jsp_15_3_ex1_exceptionex)</a:t>
@@ -5506,30 +5377,30 @@
           <a:lstStyle/>
           <a:p>
             <a:r>
-              <a:rPr lang="en-US" altLang="ko-KR" sz="1100" dirty="0" smtClean="0">
+              <a:rPr lang="en-US" altLang="ko-KR" sz="1100" dirty="0">
                 <a:latin typeface="+mn-ea"/>
               </a:rPr>
               <a:t>404</a:t>
             </a:r>
             <a:r>
-              <a:rPr lang="ko-KR" altLang="en-US" sz="1100" dirty="0" smtClean="0">
+              <a:rPr lang="ko-KR" altLang="en-US" sz="1100" dirty="0">
                 <a:latin typeface="+mn-ea"/>
               </a:rPr>
               <a:t>에러 발생시 </a:t>
             </a:r>
             <a:r>
-              <a:rPr lang="en-US" altLang="ko-KR" sz="1100" dirty="0" smtClean="0">
+              <a:rPr lang="en-US" altLang="ko-KR" sz="1100" dirty="0">
                 <a:latin typeface="+mn-ea"/>
               </a:rPr>
               <a:t>error404.jsp  </a:t>
             </a:r>
             <a:r>
-              <a:rPr lang="ko-KR" altLang="en-US" sz="1100" dirty="0" smtClean="0">
+              <a:rPr lang="ko-KR" altLang="en-US" sz="1100" dirty="0">
                 <a:latin typeface="+mn-ea"/>
               </a:rPr>
               <a:t>페이지로 이동</a:t>
             </a:r>
-            <a:endParaRPr lang="en-US" altLang="ko-KR" sz="1100" dirty="0" smtClean="0">
+            <a:endParaRPr lang="en-US" altLang="ko-KR" sz="1100" dirty="0">
               <a:latin typeface="+mn-ea"/>
             </a:endParaRPr>
           </a:p>
@@ -5566,30 +5437,30 @@
           <a:lstStyle/>
           <a:p>
             <a:r>
-              <a:rPr lang="en-US" altLang="ko-KR" sz="1100" dirty="0" smtClean="0">
+              <a:rPr lang="en-US" altLang="ko-KR" sz="1100" dirty="0">
                 <a:latin typeface="+mn-ea"/>
               </a:rPr>
               <a:t>500</a:t>
             </a:r>
             <a:r>
-              <a:rPr lang="ko-KR" altLang="en-US" sz="1100" dirty="0" smtClean="0">
+              <a:rPr lang="ko-KR" altLang="en-US" sz="1100" dirty="0">
                 <a:latin typeface="+mn-ea"/>
               </a:rPr>
               <a:t>에러 발생시 </a:t>
             </a:r>
             <a:r>
-              <a:rPr lang="en-US" altLang="ko-KR" sz="1100" dirty="0" smtClean="0">
+              <a:rPr lang="en-US" altLang="ko-KR" sz="1100" dirty="0">
                 <a:latin typeface="+mn-ea"/>
               </a:rPr>
               <a:t>error500.jsp  </a:t>
             </a:r>
             <a:r>
-              <a:rPr lang="ko-KR" altLang="en-US" sz="1100" dirty="0" smtClean="0">
+              <a:rPr lang="ko-KR" altLang="en-US" sz="1100" dirty="0">
                 <a:latin typeface="+mn-ea"/>
               </a:rPr>
               <a:t>페이지로 이동</a:t>
             </a:r>
-            <a:endParaRPr lang="en-US" altLang="ko-KR" sz="1100" dirty="0" smtClean="0">
+            <a:endParaRPr lang="en-US" altLang="ko-KR" sz="1100" dirty="0">
               <a:latin typeface="+mn-ea"/>
             </a:endParaRPr>
           </a:p>
@@ -5671,13 +5542,6 @@
   <p:clrMapOvr>
     <a:masterClrMapping/>
   </p:clrMapOvr>
-  <p:timing>
-    <p:tnLst>
-      <p:par>
-        <p:cTn id="1" dur="indefinite" restart="never" nodeType="tmRoot"/>
-      </p:par>
-    </p:tnLst>
-  </p:timing>
 </p:sld>
 </file>
 
